--- a/ppt 16-9/0776.黎明前必定有.pptx
+++ b/ppt 16-9/0776.黎明前必定有.pptx
@@ -129,7 +129,7 @@
           <p:cNvPr id="2" name="标题 1">
             <a:extLst>
               <a:ext uri="{FF2B5EF4-FFF2-40B4-BE49-F238E27FC236}">
-                <a16:creationId xmlns:a16="http://schemas.microsoft.com/office/drawing/2014/main" id="{FEBD8ADF-C774-E110-DEF6-141260DE348E}"/>
+                <a16:creationId xmlns:a16="http://schemas.microsoft.com/office/drawing/2014/main" id="{66A6C267-F583-4B68-DF28-100BC144B5AF}"/>
               </a:ext>
             </a:extLst>
           </p:cNvPr>
@@ -166,7 +166,7 @@
           <p:cNvPr id="3" name="副标题 2">
             <a:extLst>
               <a:ext uri="{FF2B5EF4-FFF2-40B4-BE49-F238E27FC236}">
-                <a16:creationId xmlns:a16="http://schemas.microsoft.com/office/drawing/2014/main" id="{97E3B033-E5E2-257B-6670-3ABF891B51E2}"/>
+                <a16:creationId xmlns:a16="http://schemas.microsoft.com/office/drawing/2014/main" id="{626A931C-4963-3284-6494-1011BA598852}"/>
               </a:ext>
             </a:extLst>
           </p:cNvPr>
@@ -236,7 +236,7 @@
           <p:cNvPr id="4" name="日期占位符 3">
             <a:extLst>
               <a:ext uri="{FF2B5EF4-FFF2-40B4-BE49-F238E27FC236}">
-                <a16:creationId xmlns:a16="http://schemas.microsoft.com/office/drawing/2014/main" id="{B29AD3A4-DA62-CE00-6C10-40C59647FDA9}"/>
+                <a16:creationId xmlns:a16="http://schemas.microsoft.com/office/drawing/2014/main" id="{BE4F5D55-B845-D14C-8379-150348477B05}"/>
               </a:ext>
             </a:extLst>
           </p:cNvPr>
@@ -252,7 +252,7 @@
           <a:bodyPr/>
           <a:lstStyle/>
           <a:p>
-            <a:fld id="{79F4B85A-3BCD-4EC7-9522-BE79DA865773}" type="datetimeFigureOut">
+            <a:fld id="{711F4689-163C-41CF-8527-42F021F93845}" type="datetimeFigureOut">
               <a:rPr lang="zh-CN" altLang="en-US" smtClean="0"/>
               <a:t>2024/3/10</a:t>
             </a:fld>
@@ -265,7 +265,7 @@
           <p:cNvPr id="5" name="页脚占位符 4">
             <a:extLst>
               <a:ext uri="{FF2B5EF4-FFF2-40B4-BE49-F238E27FC236}">
-                <a16:creationId xmlns:a16="http://schemas.microsoft.com/office/drawing/2014/main" id="{32971131-324F-E216-5813-27C6B72CC410}"/>
+                <a16:creationId xmlns:a16="http://schemas.microsoft.com/office/drawing/2014/main" id="{B32C0587-3CC2-17EA-B13E-A4157C4BB04A}"/>
               </a:ext>
             </a:extLst>
           </p:cNvPr>
@@ -290,7 +290,7 @@
           <p:cNvPr id="6" name="灯片编号占位符 5">
             <a:extLst>
               <a:ext uri="{FF2B5EF4-FFF2-40B4-BE49-F238E27FC236}">
-                <a16:creationId xmlns:a16="http://schemas.microsoft.com/office/drawing/2014/main" id="{6DB38029-0980-1757-A5C7-E7293DCA6987}"/>
+                <a16:creationId xmlns:a16="http://schemas.microsoft.com/office/drawing/2014/main" id="{FE3F48D4-BA40-DD98-435F-A68A015CF14C}"/>
               </a:ext>
             </a:extLst>
           </p:cNvPr>
@@ -306,7 +306,7 @@
           <a:bodyPr/>
           <a:lstStyle/>
           <a:p>
-            <a:fld id="{F3AF981C-E599-4B0C-BAB0-8B6E7985819C}" type="slidenum">
+            <a:fld id="{E7B35E37-5658-466E-83FF-83CB44116F38}" type="slidenum">
               <a:rPr lang="zh-CN" altLang="en-US" smtClean="0"/>
               <a:t>‹#›</a:t>
             </a:fld>
@@ -317,7 +317,7 @@
     </p:spTree>
     <p:extLst>
       <p:ext uri="{BB962C8B-B14F-4D97-AF65-F5344CB8AC3E}">
-        <p14:creationId xmlns:p14="http://schemas.microsoft.com/office/powerpoint/2010/main" val="1791342747"/>
+        <p14:creationId xmlns:p14="http://schemas.microsoft.com/office/powerpoint/2010/main" val="311306408"/>
       </p:ext>
     </p:extLst>
   </p:cSld>
@@ -349,7 +349,7 @@
           <p:cNvPr id="2" name="标题 1">
             <a:extLst>
               <a:ext uri="{FF2B5EF4-FFF2-40B4-BE49-F238E27FC236}">
-                <a16:creationId xmlns:a16="http://schemas.microsoft.com/office/drawing/2014/main" id="{B0246DA8-F595-90BF-EC99-D121E77C93AB}"/>
+                <a16:creationId xmlns:a16="http://schemas.microsoft.com/office/drawing/2014/main" id="{B75B1826-7CE3-5057-82C2-09CE5746F17B}"/>
               </a:ext>
             </a:extLst>
           </p:cNvPr>
@@ -377,7 +377,7 @@
           <p:cNvPr id="3" name="竖排文字占位符 2">
             <a:extLst>
               <a:ext uri="{FF2B5EF4-FFF2-40B4-BE49-F238E27FC236}">
-                <a16:creationId xmlns:a16="http://schemas.microsoft.com/office/drawing/2014/main" id="{1ACD4C66-0E86-8D99-F581-EA1CDCD19CFD}"/>
+                <a16:creationId xmlns:a16="http://schemas.microsoft.com/office/drawing/2014/main" id="{5BED297D-0BDE-A033-1A09-5A06D274AAF5}"/>
               </a:ext>
             </a:extLst>
           </p:cNvPr>
@@ -434,7 +434,7 @@
           <p:cNvPr id="4" name="日期占位符 3">
             <a:extLst>
               <a:ext uri="{FF2B5EF4-FFF2-40B4-BE49-F238E27FC236}">
-                <a16:creationId xmlns:a16="http://schemas.microsoft.com/office/drawing/2014/main" id="{5449CFB1-EF33-59D5-9A23-81EE6D3F2062}"/>
+                <a16:creationId xmlns:a16="http://schemas.microsoft.com/office/drawing/2014/main" id="{12472784-FE7D-9186-BF0E-EF107CDD1643}"/>
               </a:ext>
             </a:extLst>
           </p:cNvPr>
@@ -450,7 +450,7 @@
           <a:bodyPr/>
           <a:lstStyle/>
           <a:p>
-            <a:fld id="{79F4B85A-3BCD-4EC7-9522-BE79DA865773}" type="datetimeFigureOut">
+            <a:fld id="{711F4689-163C-41CF-8527-42F021F93845}" type="datetimeFigureOut">
               <a:rPr lang="zh-CN" altLang="en-US" smtClean="0"/>
               <a:t>2024/3/10</a:t>
             </a:fld>
@@ -463,7 +463,7 @@
           <p:cNvPr id="5" name="页脚占位符 4">
             <a:extLst>
               <a:ext uri="{FF2B5EF4-FFF2-40B4-BE49-F238E27FC236}">
-                <a16:creationId xmlns:a16="http://schemas.microsoft.com/office/drawing/2014/main" id="{E1C76BA4-2278-03D1-B564-498E43F6348B}"/>
+                <a16:creationId xmlns:a16="http://schemas.microsoft.com/office/drawing/2014/main" id="{1E180AA7-2120-1A94-20DE-E1E07CB2530A}"/>
               </a:ext>
             </a:extLst>
           </p:cNvPr>
@@ -488,7 +488,7 @@
           <p:cNvPr id="6" name="灯片编号占位符 5">
             <a:extLst>
               <a:ext uri="{FF2B5EF4-FFF2-40B4-BE49-F238E27FC236}">
-                <a16:creationId xmlns:a16="http://schemas.microsoft.com/office/drawing/2014/main" id="{8E683603-D2B6-2988-331F-3902DD4CB0EF}"/>
+                <a16:creationId xmlns:a16="http://schemas.microsoft.com/office/drawing/2014/main" id="{391BD9E9-C3C0-5A24-ED25-E719E622B66E}"/>
               </a:ext>
             </a:extLst>
           </p:cNvPr>
@@ -504,7 +504,7 @@
           <a:bodyPr/>
           <a:lstStyle/>
           <a:p>
-            <a:fld id="{F3AF981C-E599-4B0C-BAB0-8B6E7985819C}" type="slidenum">
+            <a:fld id="{E7B35E37-5658-466E-83FF-83CB44116F38}" type="slidenum">
               <a:rPr lang="zh-CN" altLang="en-US" smtClean="0"/>
               <a:t>‹#›</a:t>
             </a:fld>
@@ -515,7 +515,7 @@
     </p:spTree>
     <p:extLst>
       <p:ext uri="{BB962C8B-B14F-4D97-AF65-F5344CB8AC3E}">
-        <p14:creationId xmlns:p14="http://schemas.microsoft.com/office/powerpoint/2010/main" val="2462852602"/>
+        <p14:creationId xmlns:p14="http://schemas.microsoft.com/office/powerpoint/2010/main" val="2459671270"/>
       </p:ext>
     </p:extLst>
   </p:cSld>
@@ -547,7 +547,7 @@
           <p:cNvPr id="2" name="竖排标题 1">
             <a:extLst>
               <a:ext uri="{FF2B5EF4-FFF2-40B4-BE49-F238E27FC236}">
-                <a16:creationId xmlns:a16="http://schemas.microsoft.com/office/drawing/2014/main" id="{3070DDD3-39E0-198A-86D7-DF11712AE423}"/>
+                <a16:creationId xmlns:a16="http://schemas.microsoft.com/office/drawing/2014/main" id="{FD51FA5C-F86C-5573-758B-56DBC2D1DCEF}"/>
               </a:ext>
             </a:extLst>
           </p:cNvPr>
@@ -580,7 +580,7 @@
           <p:cNvPr id="3" name="竖排文字占位符 2">
             <a:extLst>
               <a:ext uri="{FF2B5EF4-FFF2-40B4-BE49-F238E27FC236}">
-                <a16:creationId xmlns:a16="http://schemas.microsoft.com/office/drawing/2014/main" id="{C9BD1A8B-8FE7-4165-5196-2A209CC48856}"/>
+                <a16:creationId xmlns:a16="http://schemas.microsoft.com/office/drawing/2014/main" id="{09496310-4A20-59C0-F0EE-024FE2623F3A}"/>
               </a:ext>
             </a:extLst>
           </p:cNvPr>
@@ -642,7 +642,7 @@
           <p:cNvPr id="4" name="日期占位符 3">
             <a:extLst>
               <a:ext uri="{FF2B5EF4-FFF2-40B4-BE49-F238E27FC236}">
-                <a16:creationId xmlns:a16="http://schemas.microsoft.com/office/drawing/2014/main" id="{12462C3A-8C4D-7B02-73B2-2B3562E30306}"/>
+                <a16:creationId xmlns:a16="http://schemas.microsoft.com/office/drawing/2014/main" id="{70625CFE-7889-2C71-8BB2-D4748695AA70}"/>
               </a:ext>
             </a:extLst>
           </p:cNvPr>
@@ -658,7 +658,7 @@
           <a:bodyPr/>
           <a:lstStyle/>
           <a:p>
-            <a:fld id="{79F4B85A-3BCD-4EC7-9522-BE79DA865773}" type="datetimeFigureOut">
+            <a:fld id="{711F4689-163C-41CF-8527-42F021F93845}" type="datetimeFigureOut">
               <a:rPr lang="zh-CN" altLang="en-US" smtClean="0"/>
               <a:t>2024/3/10</a:t>
             </a:fld>
@@ -671,7 +671,7 @@
           <p:cNvPr id="5" name="页脚占位符 4">
             <a:extLst>
               <a:ext uri="{FF2B5EF4-FFF2-40B4-BE49-F238E27FC236}">
-                <a16:creationId xmlns:a16="http://schemas.microsoft.com/office/drawing/2014/main" id="{B4890009-C783-AFE5-2B48-0BBAADDBAE9B}"/>
+                <a16:creationId xmlns:a16="http://schemas.microsoft.com/office/drawing/2014/main" id="{1841FF93-E083-9374-9602-09320699563B}"/>
               </a:ext>
             </a:extLst>
           </p:cNvPr>
@@ -696,7 +696,7 @@
           <p:cNvPr id="6" name="灯片编号占位符 5">
             <a:extLst>
               <a:ext uri="{FF2B5EF4-FFF2-40B4-BE49-F238E27FC236}">
-                <a16:creationId xmlns:a16="http://schemas.microsoft.com/office/drawing/2014/main" id="{C23114B3-6850-5B82-2289-BD328C08EF93}"/>
+                <a16:creationId xmlns:a16="http://schemas.microsoft.com/office/drawing/2014/main" id="{F80EB4F1-8FF7-BDC0-67E2-AB99D7E4DD5C}"/>
               </a:ext>
             </a:extLst>
           </p:cNvPr>
@@ -712,7 +712,7 @@
           <a:bodyPr/>
           <a:lstStyle/>
           <a:p>
-            <a:fld id="{F3AF981C-E599-4B0C-BAB0-8B6E7985819C}" type="slidenum">
+            <a:fld id="{E7B35E37-5658-466E-83FF-83CB44116F38}" type="slidenum">
               <a:rPr lang="zh-CN" altLang="en-US" smtClean="0"/>
               <a:t>‹#›</a:t>
             </a:fld>
@@ -723,7 +723,7 @@
     </p:spTree>
     <p:extLst>
       <p:ext uri="{BB962C8B-B14F-4D97-AF65-F5344CB8AC3E}">
-        <p14:creationId xmlns:p14="http://schemas.microsoft.com/office/powerpoint/2010/main" val="1915604830"/>
+        <p14:creationId xmlns:p14="http://schemas.microsoft.com/office/powerpoint/2010/main" val="1406673551"/>
       </p:ext>
     </p:extLst>
   </p:cSld>
@@ -755,7 +755,7 @@
           <p:cNvPr id="2" name="标题 1">
             <a:extLst>
               <a:ext uri="{FF2B5EF4-FFF2-40B4-BE49-F238E27FC236}">
-                <a16:creationId xmlns:a16="http://schemas.microsoft.com/office/drawing/2014/main" id="{D4259200-4753-215C-6BE6-206275296198}"/>
+                <a16:creationId xmlns:a16="http://schemas.microsoft.com/office/drawing/2014/main" id="{6B3581A3-E56D-B757-172F-422F82A09904}"/>
               </a:ext>
             </a:extLst>
           </p:cNvPr>
@@ -783,7 +783,7 @@
           <p:cNvPr id="3" name="内容占位符 2">
             <a:extLst>
               <a:ext uri="{FF2B5EF4-FFF2-40B4-BE49-F238E27FC236}">
-                <a16:creationId xmlns:a16="http://schemas.microsoft.com/office/drawing/2014/main" id="{55E26FAB-DB2C-9038-FDE1-14F602660AB2}"/>
+                <a16:creationId xmlns:a16="http://schemas.microsoft.com/office/drawing/2014/main" id="{A15CDBD9-FBB4-A618-08F0-8B6F7EA0234A}"/>
               </a:ext>
             </a:extLst>
           </p:cNvPr>
@@ -840,7 +840,7 @@
           <p:cNvPr id="4" name="日期占位符 3">
             <a:extLst>
               <a:ext uri="{FF2B5EF4-FFF2-40B4-BE49-F238E27FC236}">
-                <a16:creationId xmlns:a16="http://schemas.microsoft.com/office/drawing/2014/main" id="{759607BA-137B-9A8F-33AE-3A8385C74D4E}"/>
+                <a16:creationId xmlns:a16="http://schemas.microsoft.com/office/drawing/2014/main" id="{BC09EE06-90BA-A3F6-0369-746A95E7066F}"/>
               </a:ext>
             </a:extLst>
           </p:cNvPr>
@@ -856,7 +856,7 @@
           <a:bodyPr/>
           <a:lstStyle/>
           <a:p>
-            <a:fld id="{79F4B85A-3BCD-4EC7-9522-BE79DA865773}" type="datetimeFigureOut">
+            <a:fld id="{711F4689-163C-41CF-8527-42F021F93845}" type="datetimeFigureOut">
               <a:rPr lang="zh-CN" altLang="en-US" smtClean="0"/>
               <a:t>2024/3/10</a:t>
             </a:fld>
@@ -869,7 +869,7 @@
           <p:cNvPr id="5" name="页脚占位符 4">
             <a:extLst>
               <a:ext uri="{FF2B5EF4-FFF2-40B4-BE49-F238E27FC236}">
-                <a16:creationId xmlns:a16="http://schemas.microsoft.com/office/drawing/2014/main" id="{F6932F0C-27DA-87F1-202E-0BDD08C49357}"/>
+                <a16:creationId xmlns:a16="http://schemas.microsoft.com/office/drawing/2014/main" id="{3C713CC4-D062-D637-DEEC-E31FF4F78FF1}"/>
               </a:ext>
             </a:extLst>
           </p:cNvPr>
@@ -894,7 +894,7 @@
           <p:cNvPr id="6" name="灯片编号占位符 5">
             <a:extLst>
               <a:ext uri="{FF2B5EF4-FFF2-40B4-BE49-F238E27FC236}">
-                <a16:creationId xmlns:a16="http://schemas.microsoft.com/office/drawing/2014/main" id="{EF65D8C2-EA79-BB1A-D99C-86ADE9EDA9FC}"/>
+                <a16:creationId xmlns:a16="http://schemas.microsoft.com/office/drawing/2014/main" id="{D4C789C2-3C11-2F91-2769-092740A2EF38}"/>
               </a:ext>
             </a:extLst>
           </p:cNvPr>
@@ -910,7 +910,7 @@
           <a:bodyPr/>
           <a:lstStyle/>
           <a:p>
-            <a:fld id="{F3AF981C-E599-4B0C-BAB0-8B6E7985819C}" type="slidenum">
+            <a:fld id="{E7B35E37-5658-466E-83FF-83CB44116F38}" type="slidenum">
               <a:rPr lang="zh-CN" altLang="en-US" smtClean="0"/>
               <a:t>‹#›</a:t>
             </a:fld>
@@ -921,7 +921,7 @@
     </p:spTree>
     <p:extLst>
       <p:ext uri="{BB962C8B-B14F-4D97-AF65-F5344CB8AC3E}">
-        <p14:creationId xmlns:p14="http://schemas.microsoft.com/office/powerpoint/2010/main" val="1680906721"/>
+        <p14:creationId xmlns:p14="http://schemas.microsoft.com/office/powerpoint/2010/main" val="1582590785"/>
       </p:ext>
     </p:extLst>
   </p:cSld>
@@ -953,7 +953,7 @@
           <p:cNvPr id="2" name="标题 1">
             <a:extLst>
               <a:ext uri="{FF2B5EF4-FFF2-40B4-BE49-F238E27FC236}">
-                <a16:creationId xmlns:a16="http://schemas.microsoft.com/office/drawing/2014/main" id="{C80B02C1-5957-5DF9-F671-52A08C2CD7CF}"/>
+                <a16:creationId xmlns:a16="http://schemas.microsoft.com/office/drawing/2014/main" id="{AA91CCC8-50DA-83DE-25CB-0948849232AD}"/>
               </a:ext>
             </a:extLst>
           </p:cNvPr>
@@ -990,7 +990,7 @@
           <p:cNvPr id="3" name="文本占位符 2">
             <a:extLst>
               <a:ext uri="{FF2B5EF4-FFF2-40B4-BE49-F238E27FC236}">
-                <a16:creationId xmlns:a16="http://schemas.microsoft.com/office/drawing/2014/main" id="{C7137D63-7494-1AAF-5FD0-0CBF15981F0C}"/>
+                <a16:creationId xmlns:a16="http://schemas.microsoft.com/office/drawing/2014/main" id="{DBA9F2C3-3191-3B2A-94C8-DD37623743DF}"/>
               </a:ext>
             </a:extLst>
           </p:cNvPr>
@@ -1115,7 +1115,7 @@
           <p:cNvPr id="4" name="日期占位符 3">
             <a:extLst>
               <a:ext uri="{FF2B5EF4-FFF2-40B4-BE49-F238E27FC236}">
-                <a16:creationId xmlns:a16="http://schemas.microsoft.com/office/drawing/2014/main" id="{845CC4C1-2976-A3A3-A6A6-D17382F211E0}"/>
+                <a16:creationId xmlns:a16="http://schemas.microsoft.com/office/drawing/2014/main" id="{463A3AD1-1593-988D-970A-37CF938E38EE}"/>
               </a:ext>
             </a:extLst>
           </p:cNvPr>
@@ -1131,7 +1131,7 @@
           <a:bodyPr/>
           <a:lstStyle/>
           <a:p>
-            <a:fld id="{79F4B85A-3BCD-4EC7-9522-BE79DA865773}" type="datetimeFigureOut">
+            <a:fld id="{711F4689-163C-41CF-8527-42F021F93845}" type="datetimeFigureOut">
               <a:rPr lang="zh-CN" altLang="en-US" smtClean="0"/>
               <a:t>2024/3/10</a:t>
             </a:fld>
@@ -1144,7 +1144,7 @@
           <p:cNvPr id="5" name="页脚占位符 4">
             <a:extLst>
               <a:ext uri="{FF2B5EF4-FFF2-40B4-BE49-F238E27FC236}">
-                <a16:creationId xmlns:a16="http://schemas.microsoft.com/office/drawing/2014/main" id="{1C3620F8-B2E2-B10D-0914-D7F650678D63}"/>
+                <a16:creationId xmlns:a16="http://schemas.microsoft.com/office/drawing/2014/main" id="{3AF982D9-8326-EFC3-7ABF-21BE07D4D051}"/>
               </a:ext>
             </a:extLst>
           </p:cNvPr>
@@ -1169,7 +1169,7 @@
           <p:cNvPr id="6" name="灯片编号占位符 5">
             <a:extLst>
               <a:ext uri="{FF2B5EF4-FFF2-40B4-BE49-F238E27FC236}">
-                <a16:creationId xmlns:a16="http://schemas.microsoft.com/office/drawing/2014/main" id="{C5CA5F73-C784-2B5F-99AE-B4E60D25F45A}"/>
+                <a16:creationId xmlns:a16="http://schemas.microsoft.com/office/drawing/2014/main" id="{13E3B6ED-2F0A-0F38-3E0C-C80E4FC103CE}"/>
               </a:ext>
             </a:extLst>
           </p:cNvPr>
@@ -1185,7 +1185,7 @@
           <a:bodyPr/>
           <a:lstStyle/>
           <a:p>
-            <a:fld id="{F3AF981C-E599-4B0C-BAB0-8B6E7985819C}" type="slidenum">
+            <a:fld id="{E7B35E37-5658-466E-83FF-83CB44116F38}" type="slidenum">
               <a:rPr lang="zh-CN" altLang="en-US" smtClean="0"/>
               <a:t>‹#›</a:t>
             </a:fld>
@@ -1196,7 +1196,7 @@
     </p:spTree>
     <p:extLst>
       <p:ext uri="{BB962C8B-B14F-4D97-AF65-F5344CB8AC3E}">
-        <p14:creationId xmlns:p14="http://schemas.microsoft.com/office/powerpoint/2010/main" val="2859982294"/>
+        <p14:creationId xmlns:p14="http://schemas.microsoft.com/office/powerpoint/2010/main" val="2500699847"/>
       </p:ext>
     </p:extLst>
   </p:cSld>
@@ -1228,7 +1228,7 @@
           <p:cNvPr id="2" name="标题 1">
             <a:extLst>
               <a:ext uri="{FF2B5EF4-FFF2-40B4-BE49-F238E27FC236}">
-                <a16:creationId xmlns:a16="http://schemas.microsoft.com/office/drawing/2014/main" id="{4B2A3CB0-DBA9-5787-FCAB-36D5E254743B}"/>
+                <a16:creationId xmlns:a16="http://schemas.microsoft.com/office/drawing/2014/main" id="{DBEDD58F-90CA-3ED6-83BD-724AA14243B8}"/>
               </a:ext>
             </a:extLst>
           </p:cNvPr>
@@ -1256,7 +1256,7 @@
           <p:cNvPr id="3" name="内容占位符 2">
             <a:extLst>
               <a:ext uri="{FF2B5EF4-FFF2-40B4-BE49-F238E27FC236}">
-                <a16:creationId xmlns:a16="http://schemas.microsoft.com/office/drawing/2014/main" id="{9C59CF17-660F-4A05-0399-2CB7D77DFC19}"/>
+                <a16:creationId xmlns:a16="http://schemas.microsoft.com/office/drawing/2014/main" id="{D3AED2B6-CE8D-D9FF-476C-7955D4041003}"/>
               </a:ext>
             </a:extLst>
           </p:cNvPr>
@@ -1318,7 +1318,7 @@
           <p:cNvPr id="4" name="内容占位符 3">
             <a:extLst>
               <a:ext uri="{FF2B5EF4-FFF2-40B4-BE49-F238E27FC236}">
-                <a16:creationId xmlns:a16="http://schemas.microsoft.com/office/drawing/2014/main" id="{C2EE86CF-C8CA-C2E6-BD9B-D754AC3D9C38}"/>
+                <a16:creationId xmlns:a16="http://schemas.microsoft.com/office/drawing/2014/main" id="{14D2F8D4-B6A8-3019-7AA9-DED8C2EAB411}"/>
               </a:ext>
             </a:extLst>
           </p:cNvPr>
@@ -1380,7 +1380,7 @@
           <p:cNvPr id="5" name="日期占位符 4">
             <a:extLst>
               <a:ext uri="{FF2B5EF4-FFF2-40B4-BE49-F238E27FC236}">
-                <a16:creationId xmlns:a16="http://schemas.microsoft.com/office/drawing/2014/main" id="{B52C388F-E212-0ED4-CA05-73375FC9905C}"/>
+                <a16:creationId xmlns:a16="http://schemas.microsoft.com/office/drawing/2014/main" id="{E0FF69FA-C771-AAC2-A482-0A4D760492BF}"/>
               </a:ext>
             </a:extLst>
           </p:cNvPr>
@@ -1396,7 +1396,7 @@
           <a:bodyPr/>
           <a:lstStyle/>
           <a:p>
-            <a:fld id="{79F4B85A-3BCD-4EC7-9522-BE79DA865773}" type="datetimeFigureOut">
+            <a:fld id="{711F4689-163C-41CF-8527-42F021F93845}" type="datetimeFigureOut">
               <a:rPr lang="zh-CN" altLang="en-US" smtClean="0"/>
               <a:t>2024/3/10</a:t>
             </a:fld>
@@ -1409,7 +1409,7 @@
           <p:cNvPr id="6" name="页脚占位符 5">
             <a:extLst>
               <a:ext uri="{FF2B5EF4-FFF2-40B4-BE49-F238E27FC236}">
-                <a16:creationId xmlns:a16="http://schemas.microsoft.com/office/drawing/2014/main" id="{8A21C3D5-1170-1894-035B-BCD7D4F5F2CA}"/>
+                <a16:creationId xmlns:a16="http://schemas.microsoft.com/office/drawing/2014/main" id="{3B68AD3C-30D0-363A-56A6-1DC420E3D132}"/>
               </a:ext>
             </a:extLst>
           </p:cNvPr>
@@ -1434,7 +1434,7 @@
           <p:cNvPr id="7" name="灯片编号占位符 6">
             <a:extLst>
               <a:ext uri="{FF2B5EF4-FFF2-40B4-BE49-F238E27FC236}">
-                <a16:creationId xmlns:a16="http://schemas.microsoft.com/office/drawing/2014/main" id="{E6CDDE27-1743-DD3C-6E01-CA35558E5D56}"/>
+                <a16:creationId xmlns:a16="http://schemas.microsoft.com/office/drawing/2014/main" id="{F4F1C878-9D7C-1329-6C32-473D73F36DC1}"/>
               </a:ext>
             </a:extLst>
           </p:cNvPr>
@@ -1450,7 +1450,7 @@
           <a:bodyPr/>
           <a:lstStyle/>
           <a:p>
-            <a:fld id="{F3AF981C-E599-4B0C-BAB0-8B6E7985819C}" type="slidenum">
+            <a:fld id="{E7B35E37-5658-466E-83FF-83CB44116F38}" type="slidenum">
               <a:rPr lang="zh-CN" altLang="en-US" smtClean="0"/>
               <a:t>‹#›</a:t>
             </a:fld>
@@ -1461,7 +1461,7 @@
     </p:spTree>
     <p:extLst>
       <p:ext uri="{BB962C8B-B14F-4D97-AF65-F5344CB8AC3E}">
-        <p14:creationId xmlns:p14="http://schemas.microsoft.com/office/powerpoint/2010/main" val="430814228"/>
+        <p14:creationId xmlns:p14="http://schemas.microsoft.com/office/powerpoint/2010/main" val="743726625"/>
       </p:ext>
     </p:extLst>
   </p:cSld>
@@ -1493,7 +1493,7 @@
           <p:cNvPr id="2" name="标题 1">
             <a:extLst>
               <a:ext uri="{FF2B5EF4-FFF2-40B4-BE49-F238E27FC236}">
-                <a16:creationId xmlns:a16="http://schemas.microsoft.com/office/drawing/2014/main" id="{27CEE4A8-D58D-6EF8-67D3-F8A69982554A}"/>
+                <a16:creationId xmlns:a16="http://schemas.microsoft.com/office/drawing/2014/main" id="{E580643E-E609-0886-22D5-BEB297E3DE32}"/>
               </a:ext>
             </a:extLst>
           </p:cNvPr>
@@ -1526,7 +1526,7 @@
           <p:cNvPr id="3" name="文本占位符 2">
             <a:extLst>
               <a:ext uri="{FF2B5EF4-FFF2-40B4-BE49-F238E27FC236}">
-                <a16:creationId xmlns:a16="http://schemas.microsoft.com/office/drawing/2014/main" id="{79BD9C10-3E04-F69E-9006-EE0B9676AD44}"/>
+                <a16:creationId xmlns:a16="http://schemas.microsoft.com/office/drawing/2014/main" id="{9470776D-F180-45D3-A653-02E807253B28}"/>
               </a:ext>
             </a:extLst>
           </p:cNvPr>
@@ -1597,7 +1597,7 @@
           <p:cNvPr id="4" name="内容占位符 3">
             <a:extLst>
               <a:ext uri="{FF2B5EF4-FFF2-40B4-BE49-F238E27FC236}">
-                <a16:creationId xmlns:a16="http://schemas.microsoft.com/office/drawing/2014/main" id="{B1563DA0-6EFE-9DF7-86A3-55FCF5F1E9BF}"/>
+                <a16:creationId xmlns:a16="http://schemas.microsoft.com/office/drawing/2014/main" id="{B9E21A7A-C27C-2B40-79F7-762EA0E7F5D6}"/>
               </a:ext>
             </a:extLst>
           </p:cNvPr>
@@ -1659,7 +1659,7 @@
           <p:cNvPr id="5" name="文本占位符 4">
             <a:extLst>
               <a:ext uri="{FF2B5EF4-FFF2-40B4-BE49-F238E27FC236}">
-                <a16:creationId xmlns:a16="http://schemas.microsoft.com/office/drawing/2014/main" id="{B65E0DBD-58EC-7E4B-FAB4-8B14F6023075}"/>
+                <a16:creationId xmlns:a16="http://schemas.microsoft.com/office/drawing/2014/main" id="{E45A2497-3332-ABBF-1618-2C58B85D146F}"/>
               </a:ext>
             </a:extLst>
           </p:cNvPr>
@@ -1730,7 +1730,7 @@
           <p:cNvPr id="6" name="内容占位符 5">
             <a:extLst>
               <a:ext uri="{FF2B5EF4-FFF2-40B4-BE49-F238E27FC236}">
-                <a16:creationId xmlns:a16="http://schemas.microsoft.com/office/drawing/2014/main" id="{D3B30AB0-7F68-65DD-CC7F-4D880DA1148A}"/>
+                <a16:creationId xmlns:a16="http://schemas.microsoft.com/office/drawing/2014/main" id="{A880F3DB-DF7F-7579-8991-DB2CC0C45542}"/>
               </a:ext>
             </a:extLst>
           </p:cNvPr>
@@ -1792,7 +1792,7 @@
           <p:cNvPr id="7" name="日期占位符 6">
             <a:extLst>
               <a:ext uri="{FF2B5EF4-FFF2-40B4-BE49-F238E27FC236}">
-                <a16:creationId xmlns:a16="http://schemas.microsoft.com/office/drawing/2014/main" id="{47B7821A-7334-3899-7F7B-670D3A9F31BE}"/>
+                <a16:creationId xmlns:a16="http://schemas.microsoft.com/office/drawing/2014/main" id="{40A74657-028C-CE43-BE02-E3279BFE02B7}"/>
               </a:ext>
             </a:extLst>
           </p:cNvPr>
@@ -1808,7 +1808,7 @@
           <a:bodyPr/>
           <a:lstStyle/>
           <a:p>
-            <a:fld id="{79F4B85A-3BCD-4EC7-9522-BE79DA865773}" type="datetimeFigureOut">
+            <a:fld id="{711F4689-163C-41CF-8527-42F021F93845}" type="datetimeFigureOut">
               <a:rPr lang="zh-CN" altLang="en-US" smtClean="0"/>
               <a:t>2024/3/10</a:t>
             </a:fld>
@@ -1821,7 +1821,7 @@
           <p:cNvPr id="8" name="页脚占位符 7">
             <a:extLst>
               <a:ext uri="{FF2B5EF4-FFF2-40B4-BE49-F238E27FC236}">
-                <a16:creationId xmlns:a16="http://schemas.microsoft.com/office/drawing/2014/main" id="{66C7E5E5-0F07-170B-027A-CF5E9E7E2DA1}"/>
+                <a16:creationId xmlns:a16="http://schemas.microsoft.com/office/drawing/2014/main" id="{386D0A2A-D593-CEC4-48ED-47B3E61AB68B}"/>
               </a:ext>
             </a:extLst>
           </p:cNvPr>
@@ -1846,7 +1846,7 @@
           <p:cNvPr id="9" name="灯片编号占位符 8">
             <a:extLst>
               <a:ext uri="{FF2B5EF4-FFF2-40B4-BE49-F238E27FC236}">
-                <a16:creationId xmlns:a16="http://schemas.microsoft.com/office/drawing/2014/main" id="{10D93686-A1C5-A735-24B8-151EC68FACF0}"/>
+                <a16:creationId xmlns:a16="http://schemas.microsoft.com/office/drawing/2014/main" id="{60E5B499-7B92-0E4C-75C4-BF72B9819145}"/>
               </a:ext>
             </a:extLst>
           </p:cNvPr>
@@ -1862,7 +1862,7 @@
           <a:bodyPr/>
           <a:lstStyle/>
           <a:p>
-            <a:fld id="{F3AF981C-E599-4B0C-BAB0-8B6E7985819C}" type="slidenum">
+            <a:fld id="{E7B35E37-5658-466E-83FF-83CB44116F38}" type="slidenum">
               <a:rPr lang="zh-CN" altLang="en-US" smtClean="0"/>
               <a:t>‹#›</a:t>
             </a:fld>
@@ -1873,7 +1873,7 @@
     </p:spTree>
     <p:extLst>
       <p:ext uri="{BB962C8B-B14F-4D97-AF65-F5344CB8AC3E}">
-        <p14:creationId xmlns:p14="http://schemas.microsoft.com/office/powerpoint/2010/main" val="2571987443"/>
+        <p14:creationId xmlns:p14="http://schemas.microsoft.com/office/powerpoint/2010/main" val="2018592592"/>
       </p:ext>
     </p:extLst>
   </p:cSld>
@@ -1905,7 +1905,7 @@
           <p:cNvPr id="2" name="标题 1">
             <a:extLst>
               <a:ext uri="{FF2B5EF4-FFF2-40B4-BE49-F238E27FC236}">
-                <a16:creationId xmlns:a16="http://schemas.microsoft.com/office/drawing/2014/main" id="{88B75595-D8E4-6755-5CEA-6C9708180470}"/>
+                <a16:creationId xmlns:a16="http://schemas.microsoft.com/office/drawing/2014/main" id="{2A8E11B9-C505-CF51-B925-2C73572C6E0D}"/>
               </a:ext>
             </a:extLst>
           </p:cNvPr>
@@ -1933,7 +1933,7 @@
           <p:cNvPr id="3" name="日期占位符 2">
             <a:extLst>
               <a:ext uri="{FF2B5EF4-FFF2-40B4-BE49-F238E27FC236}">
-                <a16:creationId xmlns:a16="http://schemas.microsoft.com/office/drawing/2014/main" id="{FB3A9C9B-E75D-7AEB-F772-62D2D4B77433}"/>
+                <a16:creationId xmlns:a16="http://schemas.microsoft.com/office/drawing/2014/main" id="{84531BAC-47B6-58A6-4FA2-FB08596F6269}"/>
               </a:ext>
             </a:extLst>
           </p:cNvPr>
@@ -1949,7 +1949,7 @@
           <a:bodyPr/>
           <a:lstStyle/>
           <a:p>
-            <a:fld id="{79F4B85A-3BCD-4EC7-9522-BE79DA865773}" type="datetimeFigureOut">
+            <a:fld id="{711F4689-163C-41CF-8527-42F021F93845}" type="datetimeFigureOut">
               <a:rPr lang="zh-CN" altLang="en-US" smtClean="0"/>
               <a:t>2024/3/10</a:t>
             </a:fld>
@@ -1962,7 +1962,7 @@
           <p:cNvPr id="4" name="页脚占位符 3">
             <a:extLst>
               <a:ext uri="{FF2B5EF4-FFF2-40B4-BE49-F238E27FC236}">
-                <a16:creationId xmlns:a16="http://schemas.microsoft.com/office/drawing/2014/main" id="{B41D4FD3-7F7E-DF73-3B66-68BB73A46205}"/>
+                <a16:creationId xmlns:a16="http://schemas.microsoft.com/office/drawing/2014/main" id="{977AA3E1-EFEF-FE29-6340-2289D2389858}"/>
               </a:ext>
             </a:extLst>
           </p:cNvPr>
@@ -1987,7 +1987,7 @@
           <p:cNvPr id="5" name="灯片编号占位符 4">
             <a:extLst>
               <a:ext uri="{FF2B5EF4-FFF2-40B4-BE49-F238E27FC236}">
-                <a16:creationId xmlns:a16="http://schemas.microsoft.com/office/drawing/2014/main" id="{D9621C60-B10E-6A19-0FE8-5123B31AB1FF}"/>
+                <a16:creationId xmlns:a16="http://schemas.microsoft.com/office/drawing/2014/main" id="{9DE04D29-DB35-6E2E-7DDD-33D69A5961F5}"/>
               </a:ext>
             </a:extLst>
           </p:cNvPr>
@@ -2003,7 +2003,7 @@
           <a:bodyPr/>
           <a:lstStyle/>
           <a:p>
-            <a:fld id="{F3AF981C-E599-4B0C-BAB0-8B6E7985819C}" type="slidenum">
+            <a:fld id="{E7B35E37-5658-466E-83FF-83CB44116F38}" type="slidenum">
               <a:rPr lang="zh-CN" altLang="en-US" smtClean="0"/>
               <a:t>‹#›</a:t>
             </a:fld>
@@ -2014,7 +2014,7 @@
     </p:spTree>
     <p:extLst>
       <p:ext uri="{BB962C8B-B14F-4D97-AF65-F5344CB8AC3E}">
-        <p14:creationId xmlns:p14="http://schemas.microsoft.com/office/powerpoint/2010/main" val="2626657916"/>
+        <p14:creationId xmlns:p14="http://schemas.microsoft.com/office/powerpoint/2010/main" val="1638049746"/>
       </p:ext>
     </p:extLst>
   </p:cSld>
@@ -2046,7 +2046,7 @@
           <p:cNvPr id="2" name="日期占位符 1">
             <a:extLst>
               <a:ext uri="{FF2B5EF4-FFF2-40B4-BE49-F238E27FC236}">
-                <a16:creationId xmlns:a16="http://schemas.microsoft.com/office/drawing/2014/main" id="{43353414-BDA2-A8E4-57E9-C0189A12B224}"/>
+                <a16:creationId xmlns:a16="http://schemas.microsoft.com/office/drawing/2014/main" id="{617856AE-D8D8-E3E0-BEDA-9059B3D68FFD}"/>
               </a:ext>
             </a:extLst>
           </p:cNvPr>
@@ -2062,7 +2062,7 @@
           <a:bodyPr/>
           <a:lstStyle/>
           <a:p>
-            <a:fld id="{79F4B85A-3BCD-4EC7-9522-BE79DA865773}" type="datetimeFigureOut">
+            <a:fld id="{711F4689-163C-41CF-8527-42F021F93845}" type="datetimeFigureOut">
               <a:rPr lang="zh-CN" altLang="en-US" smtClean="0"/>
               <a:t>2024/3/10</a:t>
             </a:fld>
@@ -2075,7 +2075,7 @@
           <p:cNvPr id="3" name="页脚占位符 2">
             <a:extLst>
               <a:ext uri="{FF2B5EF4-FFF2-40B4-BE49-F238E27FC236}">
-                <a16:creationId xmlns:a16="http://schemas.microsoft.com/office/drawing/2014/main" id="{72C50D12-BEB4-B7EB-CCB4-42A48A2AB166}"/>
+                <a16:creationId xmlns:a16="http://schemas.microsoft.com/office/drawing/2014/main" id="{4C87F944-A866-2D72-D52F-E2C90A688A5C}"/>
               </a:ext>
             </a:extLst>
           </p:cNvPr>
@@ -2100,7 +2100,7 @@
           <p:cNvPr id="4" name="灯片编号占位符 3">
             <a:extLst>
               <a:ext uri="{FF2B5EF4-FFF2-40B4-BE49-F238E27FC236}">
-                <a16:creationId xmlns:a16="http://schemas.microsoft.com/office/drawing/2014/main" id="{55D0DE5D-C250-987E-CC80-887CD786D572}"/>
+                <a16:creationId xmlns:a16="http://schemas.microsoft.com/office/drawing/2014/main" id="{5301FD7E-2950-2238-2A88-C4015A6EBD64}"/>
               </a:ext>
             </a:extLst>
           </p:cNvPr>
@@ -2116,7 +2116,7 @@
           <a:bodyPr/>
           <a:lstStyle/>
           <a:p>
-            <a:fld id="{F3AF981C-E599-4B0C-BAB0-8B6E7985819C}" type="slidenum">
+            <a:fld id="{E7B35E37-5658-466E-83FF-83CB44116F38}" type="slidenum">
               <a:rPr lang="zh-CN" altLang="en-US" smtClean="0"/>
               <a:t>‹#›</a:t>
             </a:fld>
@@ -2127,7 +2127,7 @@
     </p:spTree>
     <p:extLst>
       <p:ext uri="{BB962C8B-B14F-4D97-AF65-F5344CB8AC3E}">
-        <p14:creationId xmlns:p14="http://schemas.microsoft.com/office/powerpoint/2010/main" val="1185243423"/>
+        <p14:creationId xmlns:p14="http://schemas.microsoft.com/office/powerpoint/2010/main" val="3747876115"/>
       </p:ext>
     </p:extLst>
   </p:cSld>
@@ -2159,7 +2159,7 @@
           <p:cNvPr id="2" name="标题 1">
             <a:extLst>
               <a:ext uri="{FF2B5EF4-FFF2-40B4-BE49-F238E27FC236}">
-                <a16:creationId xmlns:a16="http://schemas.microsoft.com/office/drawing/2014/main" id="{F198FC53-8647-0B5A-3D3C-7D5DCF47B2A8}"/>
+                <a16:creationId xmlns:a16="http://schemas.microsoft.com/office/drawing/2014/main" id="{ACD5A472-F360-7D93-3F9D-FF6C2BF24831}"/>
               </a:ext>
             </a:extLst>
           </p:cNvPr>
@@ -2196,7 +2196,7 @@
           <p:cNvPr id="3" name="内容占位符 2">
             <a:extLst>
               <a:ext uri="{FF2B5EF4-FFF2-40B4-BE49-F238E27FC236}">
-                <a16:creationId xmlns:a16="http://schemas.microsoft.com/office/drawing/2014/main" id="{3FB31FA3-DA64-9195-DF15-16AAE3EA401F}"/>
+                <a16:creationId xmlns:a16="http://schemas.microsoft.com/office/drawing/2014/main" id="{1B896F9D-B4C6-99C1-6FD9-4079ABBB27B0}"/>
               </a:ext>
             </a:extLst>
           </p:cNvPr>
@@ -2286,7 +2286,7 @@
           <p:cNvPr id="4" name="文本占位符 3">
             <a:extLst>
               <a:ext uri="{FF2B5EF4-FFF2-40B4-BE49-F238E27FC236}">
-                <a16:creationId xmlns:a16="http://schemas.microsoft.com/office/drawing/2014/main" id="{5BBB90B1-7EFC-6D5A-DCB4-8120D2A0C3BF}"/>
+                <a16:creationId xmlns:a16="http://schemas.microsoft.com/office/drawing/2014/main" id="{F68F3341-AF54-028D-69A9-931159BBAD57}"/>
               </a:ext>
             </a:extLst>
           </p:cNvPr>
@@ -2357,7 +2357,7 @@
           <p:cNvPr id="5" name="日期占位符 4">
             <a:extLst>
               <a:ext uri="{FF2B5EF4-FFF2-40B4-BE49-F238E27FC236}">
-                <a16:creationId xmlns:a16="http://schemas.microsoft.com/office/drawing/2014/main" id="{3A351E35-E5F7-E7DE-5A2D-EB7D5B6811B7}"/>
+                <a16:creationId xmlns:a16="http://schemas.microsoft.com/office/drawing/2014/main" id="{4B7FC4E6-9F86-7A4B-3178-085250CAE5CA}"/>
               </a:ext>
             </a:extLst>
           </p:cNvPr>
@@ -2373,7 +2373,7 @@
           <a:bodyPr/>
           <a:lstStyle/>
           <a:p>
-            <a:fld id="{79F4B85A-3BCD-4EC7-9522-BE79DA865773}" type="datetimeFigureOut">
+            <a:fld id="{711F4689-163C-41CF-8527-42F021F93845}" type="datetimeFigureOut">
               <a:rPr lang="zh-CN" altLang="en-US" smtClean="0"/>
               <a:t>2024/3/10</a:t>
             </a:fld>
@@ -2386,7 +2386,7 @@
           <p:cNvPr id="6" name="页脚占位符 5">
             <a:extLst>
               <a:ext uri="{FF2B5EF4-FFF2-40B4-BE49-F238E27FC236}">
-                <a16:creationId xmlns:a16="http://schemas.microsoft.com/office/drawing/2014/main" id="{B2AD2A3D-E231-C654-4042-592E8CEA85F5}"/>
+                <a16:creationId xmlns:a16="http://schemas.microsoft.com/office/drawing/2014/main" id="{9547FC15-E7B2-625B-46CE-F1EEFB3D2517}"/>
               </a:ext>
             </a:extLst>
           </p:cNvPr>
@@ -2411,7 +2411,7 @@
           <p:cNvPr id="7" name="灯片编号占位符 6">
             <a:extLst>
               <a:ext uri="{FF2B5EF4-FFF2-40B4-BE49-F238E27FC236}">
-                <a16:creationId xmlns:a16="http://schemas.microsoft.com/office/drawing/2014/main" id="{32198772-CA2D-25EB-6D86-27FDE461F8D6}"/>
+                <a16:creationId xmlns:a16="http://schemas.microsoft.com/office/drawing/2014/main" id="{F5BDAA43-0DA2-CC39-158B-3E4E3F696629}"/>
               </a:ext>
             </a:extLst>
           </p:cNvPr>
@@ -2427,7 +2427,7 @@
           <a:bodyPr/>
           <a:lstStyle/>
           <a:p>
-            <a:fld id="{F3AF981C-E599-4B0C-BAB0-8B6E7985819C}" type="slidenum">
+            <a:fld id="{E7B35E37-5658-466E-83FF-83CB44116F38}" type="slidenum">
               <a:rPr lang="zh-CN" altLang="en-US" smtClean="0"/>
               <a:t>‹#›</a:t>
             </a:fld>
@@ -2438,7 +2438,7 @@
     </p:spTree>
     <p:extLst>
       <p:ext uri="{BB962C8B-B14F-4D97-AF65-F5344CB8AC3E}">
-        <p14:creationId xmlns:p14="http://schemas.microsoft.com/office/powerpoint/2010/main" val="3569351262"/>
+        <p14:creationId xmlns:p14="http://schemas.microsoft.com/office/powerpoint/2010/main" val="2037283690"/>
       </p:ext>
     </p:extLst>
   </p:cSld>
@@ -2470,7 +2470,7 @@
           <p:cNvPr id="2" name="标题 1">
             <a:extLst>
               <a:ext uri="{FF2B5EF4-FFF2-40B4-BE49-F238E27FC236}">
-                <a16:creationId xmlns:a16="http://schemas.microsoft.com/office/drawing/2014/main" id="{3192D07E-430B-16AF-E79F-FF69D6B9FB81}"/>
+                <a16:creationId xmlns:a16="http://schemas.microsoft.com/office/drawing/2014/main" id="{D46E9431-7EA1-16A3-E9F2-AB680F5D2FFE}"/>
               </a:ext>
             </a:extLst>
           </p:cNvPr>
@@ -2507,7 +2507,7 @@
           <p:cNvPr id="3" name="图片占位符 2">
             <a:extLst>
               <a:ext uri="{FF2B5EF4-FFF2-40B4-BE49-F238E27FC236}">
-                <a16:creationId xmlns:a16="http://schemas.microsoft.com/office/drawing/2014/main" id="{DB0D0322-4CCE-ED54-008A-8F07B4F5B45E}"/>
+                <a16:creationId xmlns:a16="http://schemas.microsoft.com/office/drawing/2014/main" id="{74AF4315-360A-B764-1AE8-BB398634B5D9}"/>
               </a:ext>
             </a:extLst>
           </p:cNvPr>
@@ -2574,7 +2574,7 @@
           <p:cNvPr id="4" name="文本占位符 3">
             <a:extLst>
               <a:ext uri="{FF2B5EF4-FFF2-40B4-BE49-F238E27FC236}">
-                <a16:creationId xmlns:a16="http://schemas.microsoft.com/office/drawing/2014/main" id="{E85FB9F0-EC96-1249-9191-B645DC124C14}"/>
+                <a16:creationId xmlns:a16="http://schemas.microsoft.com/office/drawing/2014/main" id="{62577DDA-C8A0-5B93-9CDC-53A905182582}"/>
               </a:ext>
             </a:extLst>
           </p:cNvPr>
@@ -2645,7 +2645,7 @@
           <p:cNvPr id="5" name="日期占位符 4">
             <a:extLst>
               <a:ext uri="{FF2B5EF4-FFF2-40B4-BE49-F238E27FC236}">
-                <a16:creationId xmlns:a16="http://schemas.microsoft.com/office/drawing/2014/main" id="{3CF88459-A6A3-B35A-B52F-3ACDA548D088}"/>
+                <a16:creationId xmlns:a16="http://schemas.microsoft.com/office/drawing/2014/main" id="{9C4F887C-1CDB-3ED1-784D-3881952AA624}"/>
               </a:ext>
             </a:extLst>
           </p:cNvPr>
@@ -2661,7 +2661,7 @@
           <a:bodyPr/>
           <a:lstStyle/>
           <a:p>
-            <a:fld id="{79F4B85A-3BCD-4EC7-9522-BE79DA865773}" type="datetimeFigureOut">
+            <a:fld id="{711F4689-163C-41CF-8527-42F021F93845}" type="datetimeFigureOut">
               <a:rPr lang="zh-CN" altLang="en-US" smtClean="0"/>
               <a:t>2024/3/10</a:t>
             </a:fld>
@@ -2674,7 +2674,7 @@
           <p:cNvPr id="6" name="页脚占位符 5">
             <a:extLst>
               <a:ext uri="{FF2B5EF4-FFF2-40B4-BE49-F238E27FC236}">
-                <a16:creationId xmlns:a16="http://schemas.microsoft.com/office/drawing/2014/main" id="{CB330193-1AFD-674F-6D26-D52D38F2370C}"/>
+                <a16:creationId xmlns:a16="http://schemas.microsoft.com/office/drawing/2014/main" id="{E842AF8A-562D-1D28-D826-BDCEB9F63C57}"/>
               </a:ext>
             </a:extLst>
           </p:cNvPr>
@@ -2699,7 +2699,7 @@
           <p:cNvPr id="7" name="灯片编号占位符 6">
             <a:extLst>
               <a:ext uri="{FF2B5EF4-FFF2-40B4-BE49-F238E27FC236}">
-                <a16:creationId xmlns:a16="http://schemas.microsoft.com/office/drawing/2014/main" id="{A26EBCE1-C0AD-B4E6-EFCA-07C0767D99CF}"/>
+                <a16:creationId xmlns:a16="http://schemas.microsoft.com/office/drawing/2014/main" id="{4FA9677F-A75A-9896-44D0-968DAB36DCD1}"/>
               </a:ext>
             </a:extLst>
           </p:cNvPr>
@@ -2715,7 +2715,7 @@
           <a:bodyPr/>
           <a:lstStyle/>
           <a:p>
-            <a:fld id="{F3AF981C-E599-4B0C-BAB0-8B6E7985819C}" type="slidenum">
+            <a:fld id="{E7B35E37-5658-466E-83FF-83CB44116F38}" type="slidenum">
               <a:rPr lang="zh-CN" altLang="en-US" smtClean="0"/>
               <a:t>‹#›</a:t>
             </a:fld>
@@ -2726,7 +2726,7 @@
     </p:spTree>
     <p:extLst>
       <p:ext uri="{BB962C8B-B14F-4D97-AF65-F5344CB8AC3E}">
-        <p14:creationId xmlns:p14="http://schemas.microsoft.com/office/powerpoint/2010/main" val="3859805449"/>
+        <p14:creationId xmlns:p14="http://schemas.microsoft.com/office/powerpoint/2010/main" val="1987439982"/>
       </p:ext>
     </p:extLst>
   </p:cSld>
@@ -2763,7 +2763,7 @@
           <p:cNvPr id="2" name="标题占位符 1">
             <a:extLst>
               <a:ext uri="{FF2B5EF4-FFF2-40B4-BE49-F238E27FC236}">
-                <a16:creationId xmlns:a16="http://schemas.microsoft.com/office/drawing/2014/main" id="{2DFC5376-B964-6230-FCD2-FA474156C206}"/>
+                <a16:creationId xmlns:a16="http://schemas.microsoft.com/office/drawing/2014/main" id="{F156B687-74F9-AF58-280F-FF8CFEF53B86}"/>
               </a:ext>
             </a:extLst>
           </p:cNvPr>
@@ -2801,7 +2801,7 @@
           <p:cNvPr id="3" name="文本占位符 2">
             <a:extLst>
               <a:ext uri="{FF2B5EF4-FFF2-40B4-BE49-F238E27FC236}">
-                <a16:creationId xmlns:a16="http://schemas.microsoft.com/office/drawing/2014/main" id="{2AC30419-CBDB-9A9C-135D-91BC340E203C}"/>
+                <a16:creationId xmlns:a16="http://schemas.microsoft.com/office/drawing/2014/main" id="{B6B72A7D-6192-04EE-75E4-A6EA53C7386B}"/>
               </a:ext>
             </a:extLst>
           </p:cNvPr>
@@ -2868,7 +2868,7 @@
           <p:cNvPr id="4" name="日期占位符 3">
             <a:extLst>
               <a:ext uri="{FF2B5EF4-FFF2-40B4-BE49-F238E27FC236}">
-                <a16:creationId xmlns:a16="http://schemas.microsoft.com/office/drawing/2014/main" id="{818D83B7-5AB4-A29D-44DA-7E950651FA76}"/>
+                <a16:creationId xmlns:a16="http://schemas.microsoft.com/office/drawing/2014/main" id="{FF93177D-F08D-F9AA-1E21-4C2D0045F405}"/>
               </a:ext>
             </a:extLst>
           </p:cNvPr>
@@ -2902,7 +2902,7 @@
             </a:lvl1pPr>
           </a:lstStyle>
           <a:p>
-            <a:fld id="{79F4B85A-3BCD-4EC7-9522-BE79DA865773}" type="datetimeFigureOut">
+            <a:fld id="{711F4689-163C-41CF-8527-42F021F93845}" type="datetimeFigureOut">
               <a:rPr lang="zh-CN" altLang="en-US" smtClean="0"/>
               <a:t>2024/3/10</a:t>
             </a:fld>
@@ -2915,7 +2915,7 @@
           <p:cNvPr id="5" name="页脚占位符 4">
             <a:extLst>
               <a:ext uri="{FF2B5EF4-FFF2-40B4-BE49-F238E27FC236}">
-                <a16:creationId xmlns:a16="http://schemas.microsoft.com/office/drawing/2014/main" id="{D8C04AD2-2F48-C32C-D57F-F7892BA34BDE}"/>
+                <a16:creationId xmlns:a16="http://schemas.microsoft.com/office/drawing/2014/main" id="{3841A7EC-43EF-5994-6A2B-F499953A1EBA}"/>
               </a:ext>
             </a:extLst>
           </p:cNvPr>
@@ -2958,7 +2958,7 @@
           <p:cNvPr id="6" name="灯片编号占位符 5">
             <a:extLst>
               <a:ext uri="{FF2B5EF4-FFF2-40B4-BE49-F238E27FC236}">
-                <a16:creationId xmlns:a16="http://schemas.microsoft.com/office/drawing/2014/main" id="{72A57964-9B0B-2749-5B4A-9AEDB6E6BA70}"/>
+                <a16:creationId xmlns:a16="http://schemas.microsoft.com/office/drawing/2014/main" id="{F5AE3C03-742E-F430-8206-F609721771D4}"/>
               </a:ext>
             </a:extLst>
           </p:cNvPr>
@@ -2992,7 +2992,7 @@
             </a:lvl1pPr>
           </a:lstStyle>
           <a:p>
-            <a:fld id="{F3AF981C-E599-4B0C-BAB0-8B6E7985819C}" type="slidenum">
+            <a:fld id="{E7B35E37-5658-466E-83FF-83CB44116F38}" type="slidenum">
               <a:rPr lang="zh-CN" altLang="en-US" smtClean="0"/>
               <a:t>‹#›</a:t>
             </a:fld>
@@ -3003,7 +3003,7 @@
     </p:spTree>
     <p:extLst>
       <p:ext uri="{BB962C8B-B14F-4D97-AF65-F5344CB8AC3E}">
-        <p14:creationId xmlns:p14="http://schemas.microsoft.com/office/powerpoint/2010/main" val="1522799520"/>
+        <p14:creationId xmlns:p14="http://schemas.microsoft.com/office/powerpoint/2010/main" val="201279866"/>
       </p:ext>
     </p:extLst>
   </p:cSld>
